--- a/resources/CSCI-331 Group 7 Final Presentation.pptx
+++ b/resources/CSCI-331 Group 7 Final Presentation.pptx
@@ -1336,7 +1336,7 @@
       </p:grpSpPr>
       <p:sp>
         <p:nvSpPr>
-          <p:cNvPr id="227" name="Google Shape;227;g3ac8b76cbae_0_20:notes"/>
+          <p:cNvPr id="227" name="Google Shape;227;g39155f4dc57_0_3:notes"/>
           <p:cNvSpPr/>
           <p:nvPr>
             <p:ph idx="2" type="sldImg"/>
@@ -1371,7 +1371,7 @@
       </p:sp>
       <p:sp>
         <p:nvSpPr>
-          <p:cNvPr id="228" name="Google Shape;228;g3ac8b76cbae_0_20:notes"/>
+          <p:cNvPr id="228" name="Google Shape;228;g39155f4dc57_0_3:notes"/>
           <p:cNvSpPr txBox="1"/>
           <p:nvPr>
             <p:ph idx="1" type="body"/>
@@ -1435,7 +1435,7 @@
       </p:grpSpPr>
       <p:sp>
         <p:nvSpPr>
-          <p:cNvPr id="234" name="Google Shape;234;g3ac8b76cbae_0_25:notes"/>
+          <p:cNvPr id="234" name="Google Shape;234;g39155f4dc57_0_20:notes"/>
           <p:cNvSpPr/>
           <p:nvPr>
             <p:ph idx="2" type="sldImg"/>
@@ -1470,7 +1470,7 @@
       </p:sp>
       <p:sp>
         <p:nvSpPr>
-          <p:cNvPr id="235" name="Google Shape;235;g3ac8b76cbae_0_25:notes"/>
+          <p:cNvPr id="235" name="Google Shape;235;g39155f4dc57_0_20:notes"/>
           <p:cNvSpPr txBox="1"/>
           <p:nvPr>
             <p:ph idx="1" type="body"/>
@@ -1619,7 +1619,7 @@
   <p:cSld>
     <p:spTree>
       <p:nvGrpSpPr>
-        <p:cNvPr id="247" name="Shape 247"/>
+        <p:cNvPr id="248" name="Shape 248"/>
         <p:cNvGrpSpPr/>
         <p:nvPr/>
       </p:nvGrpSpPr>
@@ -1633,7 +1633,7 @@
       </p:grpSpPr>
       <p:sp>
         <p:nvSpPr>
-          <p:cNvPr id="248" name="Google Shape;248;g3acefda34fe_0_0:notes"/>
+          <p:cNvPr id="249" name="Google Shape;249;g3acefda34fe_0_0:notes"/>
           <p:cNvSpPr/>
           <p:nvPr>
             <p:ph idx="2" type="sldImg"/>
@@ -1668,7 +1668,7 @@
       </p:sp>
       <p:sp>
         <p:nvSpPr>
-          <p:cNvPr id="249" name="Google Shape;249;g3acefda34fe_0_0:notes"/>
+          <p:cNvPr id="250" name="Google Shape;250;g3acefda34fe_0_0:notes"/>
           <p:cNvSpPr txBox="1"/>
           <p:nvPr>
             <p:ph idx="1" type="body"/>
@@ -1718,7 +1718,7 @@
   <p:cSld>
     <p:spTree>
       <p:nvGrpSpPr>
-        <p:cNvPr id="253" name="Shape 253"/>
+        <p:cNvPr id="254" name="Shape 254"/>
         <p:cNvGrpSpPr/>
         <p:nvPr/>
       </p:nvGrpSpPr>
@@ -1732,7 +1732,7 @@
       </p:grpSpPr>
       <p:sp>
         <p:nvSpPr>
-          <p:cNvPr id="254" name="Google Shape;254;g3acf9e6fdf2_0_5:notes"/>
+          <p:cNvPr id="255" name="Google Shape;255;g3acf9e6fdf2_0_5:notes"/>
           <p:cNvSpPr/>
           <p:nvPr>
             <p:ph idx="2" type="sldImg"/>
@@ -1767,7 +1767,7 @@
       </p:sp>
       <p:sp>
         <p:nvSpPr>
-          <p:cNvPr id="255" name="Google Shape;255;g3acf9e6fdf2_0_5:notes"/>
+          <p:cNvPr id="256" name="Google Shape;256;g3acf9e6fdf2_0_5:notes"/>
           <p:cNvSpPr txBox="1"/>
           <p:nvPr>
             <p:ph idx="1" type="body"/>
@@ -1916,7 +1916,7 @@
   <p:cSld>
     <p:spTree>
       <p:nvGrpSpPr>
-        <p:cNvPr id="261" name="Shape 261"/>
+        <p:cNvPr id="262" name="Shape 262"/>
         <p:cNvGrpSpPr/>
         <p:nvPr/>
       </p:nvGrpSpPr>
@@ -1930,7 +1930,7 @@
       </p:grpSpPr>
       <p:sp>
         <p:nvSpPr>
-          <p:cNvPr id="262" name="Google Shape;262;g3ac8b76cbae_0_40:notes"/>
+          <p:cNvPr id="263" name="Google Shape;263;g3ac8b76cbae_0_40:notes"/>
           <p:cNvSpPr/>
           <p:nvPr>
             <p:ph idx="2" type="sldImg"/>
@@ -1965,7 +1965,7 @@
       </p:sp>
       <p:sp>
         <p:nvSpPr>
-          <p:cNvPr id="263" name="Google Shape;263;g3ac8b76cbae_0_40:notes"/>
+          <p:cNvPr id="264" name="Google Shape;264;g3ac8b76cbae_0_40:notes"/>
           <p:cNvSpPr txBox="1"/>
           <p:nvPr>
             <p:ph idx="1" type="body"/>
@@ -2015,7 +2015,7 @@
   <p:cSld>
     <p:spTree>
       <p:nvGrpSpPr>
-        <p:cNvPr id="267" name="Shape 267"/>
+        <p:cNvPr id="268" name="Shape 268"/>
         <p:cNvGrpSpPr/>
         <p:nvPr/>
       </p:nvGrpSpPr>
@@ -2029,7 +2029,7 @@
       </p:grpSpPr>
       <p:sp>
         <p:nvSpPr>
-          <p:cNvPr id="268" name="Google Shape;268;g3acd7f599fe_0_0:notes"/>
+          <p:cNvPr id="269" name="Google Shape;269;g3acd7f599fe_0_0:notes"/>
           <p:cNvSpPr/>
           <p:nvPr>
             <p:ph idx="2" type="sldImg"/>
@@ -2064,7 +2064,7 @@
       </p:sp>
       <p:sp>
         <p:nvSpPr>
-          <p:cNvPr id="269" name="Google Shape;269;g3acd7f599fe_0_0:notes"/>
+          <p:cNvPr id="270" name="Google Shape;270;g3acd7f599fe_0_0:notes"/>
           <p:cNvSpPr txBox="1"/>
           <p:nvPr>
             <p:ph idx="1" type="body"/>
@@ -2114,7 +2114,7 @@
   <p:cSld>
     <p:spTree>
       <p:nvGrpSpPr>
-        <p:cNvPr id="273" name="Shape 273"/>
+        <p:cNvPr id="274" name="Shape 274"/>
         <p:cNvGrpSpPr/>
         <p:nvPr/>
       </p:nvGrpSpPr>
@@ -2128,7 +2128,7 @@
       </p:grpSpPr>
       <p:sp>
         <p:nvSpPr>
-          <p:cNvPr id="274" name="Google Shape;274;g3ac7edae1b9_0_0:notes"/>
+          <p:cNvPr id="275" name="Google Shape;275;g3ac7edae1b9_0_0:notes"/>
           <p:cNvSpPr/>
           <p:nvPr>
             <p:ph idx="2" type="sldImg"/>
@@ -2163,7 +2163,7 @@
       </p:sp>
       <p:sp>
         <p:nvSpPr>
-          <p:cNvPr id="275" name="Google Shape;275;g3ac7edae1b9_0_0:notes"/>
+          <p:cNvPr id="276" name="Google Shape;276;g3ac7edae1b9_0_0:notes"/>
           <p:cNvSpPr txBox="1"/>
           <p:nvPr>
             <p:ph idx="1" type="body"/>
@@ -12063,11 +12063,7 @@
             </a:pPr>
             <a:r>
               <a:rPr lang="en" sz="3600"/>
-              <a:t>Results</a:t>
-            </a:r>
-            <a:r>
-              <a:rPr lang="en" sz="3600"/>
-              <a:t> - Expectiminimax</a:t>
+              <a:t>Results - Expectiminimax</a:t>
             </a:r>
             <a:endParaRPr sz="3600"/>
           </a:p>
@@ -12075,7 +12071,7 @@
       </p:sp>
       <p:pic>
         <p:nvPicPr>
-          <p:cNvPr id="231" name="Google Shape;231;p27"/>
+          <p:cNvPr id="231" name="Google Shape;231;p27" title="emm_graph_1.png"/>
           <p:cNvPicPr preferRelativeResize="0"/>
           <p:nvPr/>
         </p:nvPicPr>
@@ -12089,8 +12085,8 @@
         </p:blipFill>
         <p:spPr>
           <a:xfrm>
-            <a:off x="4399274" y="1460250"/>
-            <a:ext cx="4707808" cy="2829700"/>
+            <a:off x="72275" y="1454000"/>
+            <a:ext cx="4425976" cy="2610000"/>
           </a:xfrm>
           <a:prstGeom prst="rect">
             <a:avLst/>
@@ -12103,7 +12099,7 @@
       </p:pic>
       <p:pic>
         <p:nvPicPr>
-          <p:cNvPr id="232" name="Google Shape;232;p27"/>
+          <p:cNvPr id="232" name="Google Shape;232;p27" title="emm_graph_2.png"/>
           <p:cNvPicPr preferRelativeResize="0"/>
           <p:nvPr/>
         </p:nvPicPr>
@@ -12117,8 +12113,8 @@
         </p:blipFill>
         <p:spPr>
           <a:xfrm>
-            <a:off x="31456" y="1460250"/>
-            <a:ext cx="4367825" cy="2829700"/>
+            <a:off x="4595363" y="1454000"/>
+            <a:ext cx="4471511" cy="2610000"/>
           </a:xfrm>
           <a:prstGeom prst="rect">
             <a:avLst/>
@@ -12191,7 +12187,11 @@
             </a:pPr>
             <a:r>
               <a:rPr lang="en" sz="3600"/>
-              <a:t>Results - Monte Carlo</a:t>
+              <a:t>Results - </a:t>
+            </a:r>
+            <a:r>
+              <a:rPr lang="en" sz="3600"/>
+              <a:t> Monte Carlo</a:t>
             </a:r>
             <a:endParaRPr sz="3600"/>
           </a:p>
@@ -12199,7 +12199,7 @@
       </p:sp>
       <p:pic>
         <p:nvPicPr>
-          <p:cNvPr id="238" name="Google Shape;238;p28"/>
+          <p:cNvPr id="238" name="Google Shape;238;p28" title="mcts_graph_1.png"/>
           <p:cNvPicPr preferRelativeResize="0"/>
           <p:nvPr/>
         </p:nvPicPr>
@@ -12213,8 +12213,8 @@
         </p:blipFill>
         <p:spPr>
           <a:xfrm>
-            <a:off x="234525" y="1467682"/>
-            <a:ext cx="4463276" cy="3198043"/>
+            <a:off x="72275" y="1454000"/>
+            <a:ext cx="4499725" cy="2609571"/>
           </a:xfrm>
           <a:prstGeom prst="rect">
             <a:avLst/>
@@ -12227,7 +12227,7 @@
       </p:pic>
       <p:pic>
         <p:nvPicPr>
-          <p:cNvPr id="239" name="Google Shape;239;p28"/>
+          <p:cNvPr id="239" name="Google Shape;239;p28" title="mcts_graph_2.png"/>
           <p:cNvPicPr preferRelativeResize="0"/>
           <p:nvPr/>
         </p:nvPicPr>
@@ -12241,8 +12241,8 @@
         </p:blipFill>
         <p:spPr>
           <a:xfrm>
-            <a:off x="4697786" y="1467675"/>
-            <a:ext cx="4211689" cy="3198050"/>
+            <a:off x="4720575" y="1454000"/>
+            <a:ext cx="4346299" cy="2609575"/>
           </a:xfrm>
           <a:prstGeom prst="rect">
             <a:avLst/>
@@ -12288,8 +12288,8 @@
         </p:nvSpPr>
         <p:spPr>
           <a:xfrm>
-            <a:off x="1297500" y="3033475"/>
-            <a:ext cx="7038900" cy="1895100"/>
+            <a:off x="1297500" y="1307850"/>
+            <a:ext cx="2993400" cy="3522600"/>
           </a:xfrm>
           <a:prstGeom prst="rect">
             <a:avLst/>
@@ -12404,12 +12404,39 @@
       </p:sp>
       <p:pic>
         <p:nvPicPr>
-          <p:cNvPr id="246" name="Google Shape;246;p29"/>
+          <p:cNvPr id="246" name="Google Shape;246;p29" title="emm_data.png"/>
+          <p:cNvPicPr preferRelativeResize="0"/>
+          <p:nvPr/>
+        </p:nvPicPr>
+        <p:blipFill rotWithShape="1">
+          <a:blip r:embed="rId3">
+            <a:alphaModFix/>
+          </a:blip>
+          <a:srcRect b="0" l="0" r="0" t="2572"/>
+          <a:stretch/>
+        </p:blipFill>
+        <p:spPr>
+          <a:xfrm>
+            <a:off x="4402575" y="1307850"/>
+            <a:ext cx="4037617" cy="1419225"/>
+          </a:xfrm>
+          <a:prstGeom prst="rect">
+            <a:avLst/>
+          </a:prstGeom>
+          <a:noFill/>
+          <a:ln>
+            <a:noFill/>
+          </a:ln>
+        </p:spPr>
+      </p:pic>
+      <p:pic>
+        <p:nvPicPr>
+          <p:cNvPr id="247" name="Google Shape;247;p29" title="mcts_data.png"/>
           <p:cNvPicPr preferRelativeResize="0"/>
           <p:nvPr/>
         </p:nvPicPr>
         <p:blipFill>
-          <a:blip r:embed="rId3">
+          <a:blip r:embed="rId4">
             <a:alphaModFix/>
           </a:blip>
           <a:stretch>
@@ -12418,8 +12445,8 @@
         </p:blipFill>
         <p:spPr>
           <a:xfrm>
-            <a:off x="1297501" y="1307850"/>
-            <a:ext cx="7038901" cy="1725637"/>
+            <a:off x="4402575" y="3020700"/>
+            <a:ext cx="4324350" cy="1809750"/>
           </a:xfrm>
           <a:prstGeom prst="rect">
             <a:avLst/>
@@ -12443,7 +12470,7 @@
   <p:cSld>
     <p:spTree>
       <p:nvGrpSpPr>
-        <p:cNvPr id="250" name="Shape 250"/>
+        <p:cNvPr id="251" name="Shape 251"/>
         <p:cNvGrpSpPr/>
         <p:nvPr/>
       </p:nvGrpSpPr>
@@ -12457,7 +12484,7 @@
       </p:grpSpPr>
       <p:sp>
         <p:nvSpPr>
-          <p:cNvPr id="251" name="Google Shape;251;p30"/>
+          <p:cNvPr id="252" name="Google Shape;252;p30"/>
           <p:cNvSpPr txBox="1"/>
           <p:nvPr>
             <p:ph type="title"/>
@@ -12500,7 +12527,7 @@
       </p:sp>
       <p:sp>
         <p:nvSpPr>
-          <p:cNvPr id="252" name="Google Shape;252;p30"/>
+          <p:cNvPr id="253" name="Google Shape;253;p30"/>
           <p:cNvSpPr txBox="1"/>
           <p:nvPr>
             <p:ph idx="1" type="body"/>
@@ -12788,7 +12815,7 @@
   <p:cSld>
     <p:spTree>
       <p:nvGrpSpPr>
-        <p:cNvPr id="256" name="Shape 256"/>
+        <p:cNvPr id="257" name="Shape 257"/>
         <p:cNvGrpSpPr/>
         <p:nvPr/>
       </p:nvGrpSpPr>
@@ -12802,7 +12829,7 @@
       </p:grpSpPr>
       <p:sp>
         <p:nvSpPr>
-          <p:cNvPr id="257" name="Google Shape;257;p31"/>
+          <p:cNvPr id="258" name="Google Shape;258;p31"/>
           <p:cNvSpPr txBox="1"/>
           <p:nvPr>
             <p:ph type="title"/>
@@ -12846,7 +12873,7 @@
       </p:sp>
       <p:sp>
         <p:nvSpPr>
-          <p:cNvPr id="258" name="Google Shape;258;p31"/>
+          <p:cNvPr id="259" name="Google Shape;259;p31"/>
           <p:cNvSpPr txBox="1"/>
           <p:nvPr>
             <p:ph idx="1" type="body"/>
@@ -12927,7 +12954,7 @@
       </p:sp>
       <p:pic>
         <p:nvPicPr>
-          <p:cNvPr id="259" name="Google Shape;259;p31" title="2048_snake_double.png"/>
+          <p:cNvPr id="260" name="Google Shape;260;p31" title="2048_snake_double.png"/>
           <p:cNvPicPr preferRelativeResize="0"/>
           <p:nvPr/>
         </p:nvPicPr>
@@ -12955,7 +12982,7 @@
       </p:pic>
       <p:pic>
         <p:nvPicPr>
-          <p:cNvPr id="260" name="Google Shape;260;p31" title="board_bonus_heuristic.jpg"/>
+          <p:cNvPr id="261" name="Google Shape;261;p31" title="board_bonus_heuristic.jpg"/>
           <p:cNvPicPr preferRelativeResize="0"/>
           <p:nvPr/>
         </p:nvPicPr>
@@ -13254,7 +13281,7 @@
   <p:cSld>
     <p:spTree>
       <p:nvGrpSpPr>
-        <p:cNvPr id="264" name="Shape 264"/>
+        <p:cNvPr id="265" name="Shape 265"/>
         <p:cNvGrpSpPr/>
         <p:nvPr/>
       </p:nvGrpSpPr>
@@ -13268,7 +13295,7 @@
       </p:grpSpPr>
       <p:sp>
         <p:nvSpPr>
-          <p:cNvPr id="265" name="Google Shape;265;p32"/>
+          <p:cNvPr id="266" name="Google Shape;266;p32"/>
           <p:cNvSpPr txBox="1"/>
           <p:nvPr>
             <p:ph type="title"/>
@@ -13323,7 +13350,7 @@
       </p:sp>
       <p:sp>
         <p:nvSpPr>
-          <p:cNvPr id="266" name="Google Shape;266;p32"/>
+          <p:cNvPr id="267" name="Google Shape;267;p32"/>
           <p:cNvSpPr txBox="1"/>
           <p:nvPr>
             <p:ph idx="1" type="body"/>
@@ -13424,7 +13451,7 @@
             </a:pPr>
             <a:r>
               <a:rPr lang="en" sz="1600" u="sng"/>
-              <a:t>Expectiminmax</a:t>
+              <a:t>Expectiminimax</a:t>
             </a:r>
             <a:r>
               <a:rPr lang="en" sz="1600"/>
@@ -13547,7 +13574,7 @@
   <p:cSld>
     <p:spTree>
       <p:nvGrpSpPr>
-        <p:cNvPr id="270" name="Shape 270"/>
+        <p:cNvPr id="271" name="Shape 271"/>
         <p:cNvGrpSpPr/>
         <p:nvPr/>
       </p:nvGrpSpPr>
@@ -13561,7 +13588,7 @@
       </p:grpSpPr>
       <p:sp>
         <p:nvSpPr>
-          <p:cNvPr id="271" name="Google Shape;271;p33"/>
+          <p:cNvPr id="272" name="Google Shape;272;p33"/>
           <p:cNvSpPr txBox="1"/>
           <p:nvPr>
             <p:ph type="title"/>
@@ -13604,7 +13631,7 @@
       </p:sp>
       <p:sp>
         <p:nvSpPr>
-          <p:cNvPr id="272" name="Google Shape;272;p33"/>
+          <p:cNvPr id="273" name="Google Shape;273;p33"/>
           <p:cNvSpPr txBox="1"/>
           <p:nvPr>
             <p:ph idx="1" type="body"/>
@@ -13862,7 +13889,7 @@
   <p:cSld>
     <p:spTree>
       <p:nvGrpSpPr>
-        <p:cNvPr id="276" name="Shape 276"/>
+        <p:cNvPr id="277" name="Shape 277"/>
         <p:cNvGrpSpPr/>
         <p:nvPr/>
       </p:nvGrpSpPr>
@@ -13876,7 +13903,7 @@
       </p:grpSpPr>
       <p:sp>
         <p:nvSpPr>
-          <p:cNvPr id="277" name="Google Shape;277;p34"/>
+          <p:cNvPr id="278" name="Google Shape;278;p34"/>
           <p:cNvSpPr txBox="1"/>
           <p:nvPr>
             <p:ph type="title"/>
@@ -15463,6 +15490,285 @@
 </file>
 
 <file path=ppt/theme/theme1.xml><?xml version="1.0" encoding="utf-8"?>
+<a:theme xmlns:a="http://schemas.openxmlformats.org/drawingml/2006/main" xmlns:r="http://schemas.openxmlformats.org/officeDocument/2006/relationships" name="Focus">
+  <a:themeElements>
+    <a:clrScheme name="Focus">
+      <a:dk1>
+        <a:srgbClr val="1B212C"/>
+      </a:dk1>
+      <a:lt1>
+        <a:srgbClr val="FFFFFF"/>
+      </a:lt1>
+      <a:dk2>
+        <a:srgbClr val="D9D9D9"/>
+      </a:dk2>
+      <a:lt2>
+        <a:srgbClr val="82C7A5"/>
+      </a:lt2>
+      <a:accent1>
+        <a:srgbClr val="0145AC"/>
+      </a:accent1>
+      <a:accent2>
+        <a:srgbClr val="EECE1A"/>
+      </a:accent2>
+      <a:accent3>
+        <a:srgbClr val="4E5567"/>
+      </a:accent3>
+      <a:accent4>
+        <a:srgbClr val="F4D6AD"/>
+      </a:accent4>
+      <a:accent5>
+        <a:srgbClr val="7890CD"/>
+      </a:accent5>
+      <a:accent6>
+        <a:srgbClr val="F15E22"/>
+      </a:accent6>
+      <a:hlink>
+        <a:srgbClr val="7890CD"/>
+      </a:hlink>
+      <a:folHlink>
+        <a:srgbClr val="7890CD"/>
+      </a:folHlink>
+    </a:clrScheme>
+    <a:fontScheme name="Office">
+      <a:majorFont>
+        <a:latin typeface="Arial"/>
+        <a:ea typeface=""/>
+        <a:cs typeface=""/>
+        <a:font script="Jpan" typeface="ＭＳ Ｐゴシック"/>
+        <a:font script="Hang" typeface="맑은 고딕"/>
+        <a:font script="Hans" typeface="宋体"/>
+        <a:font script="Hant" typeface="新細明體"/>
+        <a:font script="Arab" typeface="Times New Roman"/>
+        <a:font script="Hebr" typeface="Times New Roman"/>
+        <a:font script="Thai" typeface="Angsana New"/>
+        <a:font script="Ethi" typeface="Nyala"/>
+        <a:font script="Beng" typeface="Vrinda"/>
+        <a:font script="Gujr" typeface="Shruti"/>
+        <a:font script="Khmr" typeface="MoolBoran"/>
+        <a:font script="Knda" typeface="Tunga"/>
+        <a:font script="Guru" typeface="Raavi"/>
+        <a:font script="Cans" typeface="Euphemia"/>
+        <a:font script="Cher" typeface="Plantagenet Cherokee"/>
+        <a:font script="Yiii" typeface="Microsoft Yi Baiti"/>
+        <a:font script="Tibt" typeface="Microsoft Himalaya"/>
+        <a:font script="Thaa" typeface="MV Boli"/>
+        <a:font script="Deva" typeface="Mangal"/>
+        <a:font script="Telu" typeface="Gautami"/>
+        <a:font script="Taml" typeface="Latha"/>
+        <a:font script="Syrc" typeface="Estrangelo Edessa"/>
+        <a:font script="Orya" typeface="Kalinga"/>
+        <a:font script="Mlym" typeface="Kartika"/>
+        <a:font script="Laoo" typeface="DokChampa"/>
+        <a:font script="Sinh" typeface="Iskoola Pota"/>
+        <a:font script="Mong" typeface="Mongolian Baiti"/>
+        <a:font script="Viet" typeface="Times New Roman"/>
+        <a:font script="Uigh" typeface="Microsoft Uighur"/>
+        <a:font script="Geor" typeface="Sylfaen"/>
+      </a:majorFont>
+      <a:minorFont>
+        <a:latin typeface="Arial"/>
+        <a:ea typeface=""/>
+        <a:cs typeface=""/>
+        <a:font script="Jpan" typeface="ＭＳ Ｐゴシック"/>
+        <a:font script="Hang" typeface="맑은 고딕"/>
+        <a:font script="Hans" typeface="宋体"/>
+        <a:font script="Hant" typeface="新細明體"/>
+        <a:font script="Arab" typeface="Arial"/>
+        <a:font script="Hebr" typeface="Arial"/>
+        <a:font script="Thai" typeface="Cordia New"/>
+        <a:font script="Ethi" typeface="Nyala"/>
+        <a:font script="Beng" typeface="Vrinda"/>
+        <a:font script="Gujr" typeface="Shruti"/>
+        <a:font script="Khmr" typeface="DaunPenh"/>
+        <a:font script="Knda" typeface="Tunga"/>
+        <a:font script="Guru" typeface="Raavi"/>
+        <a:font script="Cans" typeface="Euphemia"/>
+        <a:font script="Cher" typeface="Plantagenet Cherokee"/>
+        <a:font script="Yiii" typeface="Microsoft Yi Baiti"/>
+        <a:font script="Tibt" typeface="Microsoft Himalaya"/>
+        <a:font script="Thaa" typeface="MV Boli"/>
+        <a:font script="Deva" typeface="Mangal"/>
+        <a:font script="Telu" typeface="Gautami"/>
+        <a:font script="Taml" typeface="Latha"/>
+        <a:font script="Syrc" typeface="Estrangelo Edessa"/>
+        <a:font script="Orya" typeface="Kalinga"/>
+        <a:font script="Mlym" typeface="Kartika"/>
+        <a:font script="Laoo" typeface="DokChampa"/>
+        <a:font script="Sinh" typeface="Iskoola Pota"/>
+        <a:font script="Mong" typeface="Mongolian Baiti"/>
+        <a:font script="Viet" typeface="Arial"/>
+        <a:font script="Uigh" typeface="Microsoft Uighur"/>
+        <a:font script="Geor" typeface="Sylfaen"/>
+      </a:minorFont>
+    </a:fontScheme>
+    <a:fmtScheme name="Office">
+      <a:fillStyleLst>
+        <a:solidFill>
+          <a:schemeClr val="phClr"/>
+        </a:solidFill>
+        <a:gradFill rotWithShape="1">
+          <a:gsLst>
+            <a:gs pos="0">
+              <a:schemeClr val="phClr">
+                <a:tint val="50000"/>
+                <a:satMod val="300000"/>
+              </a:schemeClr>
+            </a:gs>
+            <a:gs pos="35000">
+              <a:schemeClr val="phClr">
+                <a:tint val="37000"/>
+                <a:satMod val="300000"/>
+              </a:schemeClr>
+            </a:gs>
+            <a:gs pos="100000">
+              <a:schemeClr val="phClr">
+                <a:tint val="15000"/>
+                <a:satMod val="350000"/>
+              </a:schemeClr>
+            </a:gs>
+          </a:gsLst>
+          <a:lin ang="16200000" scaled="1"/>
+        </a:gradFill>
+        <a:gradFill rotWithShape="1">
+          <a:gsLst>
+            <a:gs pos="0">
+              <a:schemeClr val="phClr">
+                <a:tint val="100000"/>
+                <a:shade val="100000"/>
+                <a:satMod val="130000"/>
+              </a:schemeClr>
+            </a:gs>
+            <a:gs pos="100000">
+              <a:schemeClr val="phClr">
+                <a:tint val="50000"/>
+                <a:shade val="100000"/>
+                <a:satMod val="350000"/>
+              </a:schemeClr>
+            </a:gs>
+          </a:gsLst>
+          <a:lin ang="16200000" scaled="0"/>
+        </a:gradFill>
+      </a:fillStyleLst>
+      <a:lnStyleLst>
+        <a:ln w="9525" cap="flat" cmpd="sng" algn="ctr">
+          <a:solidFill>
+            <a:schemeClr val="phClr">
+              <a:shade val="95000"/>
+              <a:satMod val="105000"/>
+            </a:schemeClr>
+          </a:solidFill>
+          <a:prstDash val="solid"/>
+        </a:ln>
+        <a:ln w="25400" cap="flat" cmpd="sng" algn="ctr">
+          <a:solidFill>
+            <a:schemeClr val="phClr"/>
+          </a:solidFill>
+          <a:prstDash val="solid"/>
+        </a:ln>
+        <a:ln w="38100" cap="flat" cmpd="sng" algn="ctr">
+          <a:solidFill>
+            <a:schemeClr val="phClr"/>
+          </a:solidFill>
+          <a:prstDash val="solid"/>
+        </a:ln>
+      </a:lnStyleLst>
+      <a:effectStyleLst>
+        <a:effectStyle>
+          <a:effectLst>
+            <a:outerShdw blurRad="40000" dist="20000" dir="5400000" rotWithShape="0">
+              <a:srgbClr val="000000">
+                <a:alpha val="38000"/>
+              </a:srgbClr>
+            </a:outerShdw>
+          </a:effectLst>
+        </a:effectStyle>
+        <a:effectStyle>
+          <a:effectLst>
+            <a:outerShdw blurRad="40000" dist="23000" dir="5400000" rotWithShape="0">
+              <a:srgbClr val="000000">
+                <a:alpha val="35000"/>
+              </a:srgbClr>
+            </a:outerShdw>
+          </a:effectLst>
+        </a:effectStyle>
+        <a:effectStyle>
+          <a:effectLst>
+            <a:outerShdw blurRad="40000" dist="23000" dir="5400000" rotWithShape="0">
+              <a:srgbClr val="000000">
+                <a:alpha val="35000"/>
+              </a:srgbClr>
+            </a:outerShdw>
+          </a:effectLst>
+          <a:scene3d>
+            <a:camera prst="orthographicFront">
+              <a:rot lat="0" lon="0" rev="0"/>
+            </a:camera>
+            <a:lightRig rig="threePt" dir="t">
+              <a:rot lat="0" lon="0" rev="1200000"/>
+            </a:lightRig>
+          </a:scene3d>
+          <a:sp3d>
+            <a:bevelT w="63500" h="25400"/>
+          </a:sp3d>
+        </a:effectStyle>
+      </a:effectStyleLst>
+      <a:bgFillStyleLst>
+        <a:solidFill>
+          <a:schemeClr val="phClr"/>
+        </a:solidFill>
+        <a:gradFill rotWithShape="1">
+          <a:gsLst>
+            <a:gs pos="0">
+              <a:schemeClr val="phClr">
+                <a:tint val="40000"/>
+                <a:satMod val="350000"/>
+              </a:schemeClr>
+            </a:gs>
+            <a:gs pos="40000">
+              <a:schemeClr val="phClr">
+                <a:tint val="45000"/>
+                <a:shade val="99000"/>
+                <a:satMod val="350000"/>
+              </a:schemeClr>
+            </a:gs>
+            <a:gs pos="100000">
+              <a:schemeClr val="phClr">
+                <a:shade val="20000"/>
+                <a:satMod val="255000"/>
+              </a:schemeClr>
+            </a:gs>
+          </a:gsLst>
+          <a:path path="circle">
+            <a:fillToRect l="50000" t="-80000" r="50000" b="180000"/>
+          </a:path>
+        </a:gradFill>
+        <a:gradFill rotWithShape="1">
+          <a:gsLst>
+            <a:gs pos="0">
+              <a:schemeClr val="phClr">
+                <a:tint val="80000"/>
+                <a:satMod val="300000"/>
+              </a:schemeClr>
+            </a:gs>
+            <a:gs pos="100000">
+              <a:schemeClr val="phClr">
+                <a:shade val="30000"/>
+                <a:satMod val="200000"/>
+              </a:schemeClr>
+            </a:gs>
+          </a:gsLst>
+          <a:path path="circle">
+            <a:fillToRect l="50000" t="50000" r="50000" b="50000"/>
+          </a:path>
+        </a:gradFill>
+      </a:bgFillStyleLst>
+    </a:fmtScheme>
+  </a:themeElements>
+</a:theme>
+</file>
+
+<file path=ppt/theme/theme2.xml><?xml version="1.0" encoding="utf-8"?>
 <a:theme xmlns:a="http://schemas.openxmlformats.org/drawingml/2006/main" xmlns:r="http://schemas.openxmlformats.org/officeDocument/2006/relationships">
   <a:themeElements>
     <a:clrScheme name="Default">
@@ -15739,283 +16045,4 @@
     </a:fmtScheme>
   </a:themeElements>
 </a:theme>
-</file>
-
-<file path=ppt/theme/theme2.xml><?xml version="1.0" encoding="utf-8"?>
-<a:theme xmlns:a="http://schemas.openxmlformats.org/drawingml/2006/main" xmlns:r="http://schemas.openxmlformats.org/officeDocument/2006/relationships" name="Focus">
-  <a:themeElements>
-    <a:clrScheme name="Focus">
-      <a:dk1>
-        <a:srgbClr val="1B212C"/>
-      </a:dk1>
-      <a:lt1>
-        <a:srgbClr val="FFFFFF"/>
-      </a:lt1>
-      <a:dk2>
-        <a:srgbClr val="D9D9D9"/>
-      </a:dk2>
-      <a:lt2>
-        <a:srgbClr val="82C7A5"/>
-      </a:lt2>
-      <a:accent1>
-        <a:srgbClr val="0145AC"/>
-      </a:accent1>
-      <a:accent2>
-        <a:srgbClr val="EECE1A"/>
-      </a:accent2>
-      <a:accent3>
-        <a:srgbClr val="4E5567"/>
-      </a:accent3>
-      <a:accent4>
-        <a:srgbClr val="F4D6AD"/>
-      </a:accent4>
-      <a:accent5>
-        <a:srgbClr val="7890CD"/>
-      </a:accent5>
-      <a:accent6>
-        <a:srgbClr val="F15E22"/>
-      </a:accent6>
-      <a:hlink>
-        <a:srgbClr val="7890CD"/>
-      </a:hlink>
-      <a:folHlink>
-        <a:srgbClr val="7890CD"/>
-      </a:folHlink>
-    </a:clrScheme>
-    <a:fontScheme name="Office">
-      <a:majorFont>
-        <a:latin typeface="Arial"/>
-        <a:ea typeface=""/>
-        <a:cs typeface=""/>
-        <a:font script="Jpan" typeface="ＭＳ Ｐゴシック"/>
-        <a:font script="Hang" typeface="맑은 고딕"/>
-        <a:font script="Hans" typeface="宋体"/>
-        <a:font script="Hant" typeface="新細明體"/>
-        <a:font script="Arab" typeface="Times New Roman"/>
-        <a:font script="Hebr" typeface="Times New Roman"/>
-        <a:font script="Thai" typeface="Angsana New"/>
-        <a:font script="Ethi" typeface="Nyala"/>
-        <a:font script="Beng" typeface="Vrinda"/>
-        <a:font script="Gujr" typeface="Shruti"/>
-        <a:font script="Khmr" typeface="MoolBoran"/>
-        <a:font script="Knda" typeface="Tunga"/>
-        <a:font script="Guru" typeface="Raavi"/>
-        <a:font script="Cans" typeface="Euphemia"/>
-        <a:font script="Cher" typeface="Plantagenet Cherokee"/>
-        <a:font script="Yiii" typeface="Microsoft Yi Baiti"/>
-        <a:font script="Tibt" typeface="Microsoft Himalaya"/>
-        <a:font script="Thaa" typeface="MV Boli"/>
-        <a:font script="Deva" typeface="Mangal"/>
-        <a:font script="Telu" typeface="Gautami"/>
-        <a:font script="Taml" typeface="Latha"/>
-        <a:font script="Syrc" typeface="Estrangelo Edessa"/>
-        <a:font script="Orya" typeface="Kalinga"/>
-        <a:font script="Mlym" typeface="Kartika"/>
-        <a:font script="Laoo" typeface="DokChampa"/>
-        <a:font script="Sinh" typeface="Iskoola Pota"/>
-        <a:font script="Mong" typeface="Mongolian Baiti"/>
-        <a:font script="Viet" typeface="Times New Roman"/>
-        <a:font script="Uigh" typeface="Microsoft Uighur"/>
-        <a:font script="Geor" typeface="Sylfaen"/>
-      </a:majorFont>
-      <a:minorFont>
-        <a:latin typeface="Arial"/>
-        <a:ea typeface=""/>
-        <a:cs typeface=""/>
-        <a:font script="Jpan" typeface="ＭＳ Ｐゴシック"/>
-        <a:font script="Hang" typeface="맑은 고딕"/>
-        <a:font script="Hans" typeface="宋体"/>
-        <a:font script="Hant" typeface="新細明體"/>
-        <a:font script="Arab" typeface="Arial"/>
-        <a:font script="Hebr" typeface="Arial"/>
-        <a:font script="Thai" typeface="Cordia New"/>
-        <a:font script="Ethi" typeface="Nyala"/>
-        <a:font script="Beng" typeface="Vrinda"/>
-        <a:font script="Gujr" typeface="Shruti"/>
-        <a:font script="Khmr" typeface="DaunPenh"/>
-        <a:font script="Knda" typeface="Tunga"/>
-        <a:font script="Guru" typeface="Raavi"/>
-        <a:font script="Cans" typeface="Euphemia"/>
-        <a:font script="Cher" typeface="Plantagenet Cherokee"/>
-        <a:font script="Yiii" typeface="Microsoft Yi Baiti"/>
-        <a:font script="Tibt" typeface="Microsoft Himalaya"/>
-        <a:font script="Thaa" typeface="MV Boli"/>
-        <a:font script="Deva" typeface="Mangal"/>
-        <a:font script="Telu" typeface="Gautami"/>
-        <a:font script="Taml" typeface="Latha"/>
-        <a:font script="Syrc" typeface="Estrangelo Edessa"/>
-        <a:font script="Orya" typeface="Kalinga"/>
-        <a:font script="Mlym" typeface="Kartika"/>
-        <a:font script="Laoo" typeface="DokChampa"/>
-        <a:font script="Sinh" typeface="Iskoola Pota"/>
-        <a:font script="Mong" typeface="Mongolian Baiti"/>
-        <a:font script="Viet" typeface="Arial"/>
-        <a:font script="Uigh" typeface="Microsoft Uighur"/>
-        <a:font script="Geor" typeface="Sylfaen"/>
-      </a:minorFont>
-    </a:fontScheme>
-    <a:fmtScheme name="Office">
-      <a:fillStyleLst>
-        <a:solidFill>
-          <a:schemeClr val="phClr"/>
-        </a:solidFill>
-        <a:gradFill rotWithShape="1">
-          <a:gsLst>
-            <a:gs pos="0">
-              <a:schemeClr val="phClr">
-                <a:tint val="50000"/>
-                <a:satMod val="300000"/>
-              </a:schemeClr>
-            </a:gs>
-            <a:gs pos="35000">
-              <a:schemeClr val="phClr">
-                <a:tint val="37000"/>
-                <a:satMod val="300000"/>
-              </a:schemeClr>
-            </a:gs>
-            <a:gs pos="100000">
-              <a:schemeClr val="phClr">
-                <a:tint val="15000"/>
-                <a:satMod val="350000"/>
-              </a:schemeClr>
-            </a:gs>
-          </a:gsLst>
-          <a:lin ang="16200000" scaled="1"/>
-        </a:gradFill>
-        <a:gradFill rotWithShape="1">
-          <a:gsLst>
-            <a:gs pos="0">
-              <a:schemeClr val="phClr">
-                <a:tint val="100000"/>
-                <a:shade val="100000"/>
-                <a:satMod val="130000"/>
-              </a:schemeClr>
-            </a:gs>
-            <a:gs pos="100000">
-              <a:schemeClr val="phClr">
-                <a:tint val="50000"/>
-                <a:shade val="100000"/>
-                <a:satMod val="350000"/>
-              </a:schemeClr>
-            </a:gs>
-          </a:gsLst>
-          <a:lin ang="16200000" scaled="0"/>
-        </a:gradFill>
-      </a:fillStyleLst>
-      <a:lnStyleLst>
-        <a:ln w="9525" cap="flat" cmpd="sng" algn="ctr">
-          <a:solidFill>
-            <a:schemeClr val="phClr">
-              <a:shade val="95000"/>
-              <a:satMod val="105000"/>
-            </a:schemeClr>
-          </a:solidFill>
-          <a:prstDash val="solid"/>
-        </a:ln>
-        <a:ln w="25400" cap="flat" cmpd="sng" algn="ctr">
-          <a:solidFill>
-            <a:schemeClr val="phClr"/>
-          </a:solidFill>
-          <a:prstDash val="solid"/>
-        </a:ln>
-        <a:ln w="38100" cap="flat" cmpd="sng" algn="ctr">
-          <a:solidFill>
-            <a:schemeClr val="phClr"/>
-          </a:solidFill>
-          <a:prstDash val="solid"/>
-        </a:ln>
-      </a:lnStyleLst>
-      <a:effectStyleLst>
-        <a:effectStyle>
-          <a:effectLst>
-            <a:outerShdw blurRad="40000" dist="20000" dir="5400000" rotWithShape="0">
-              <a:srgbClr val="000000">
-                <a:alpha val="38000"/>
-              </a:srgbClr>
-            </a:outerShdw>
-          </a:effectLst>
-        </a:effectStyle>
-        <a:effectStyle>
-          <a:effectLst>
-            <a:outerShdw blurRad="40000" dist="23000" dir="5400000" rotWithShape="0">
-              <a:srgbClr val="000000">
-                <a:alpha val="35000"/>
-              </a:srgbClr>
-            </a:outerShdw>
-          </a:effectLst>
-        </a:effectStyle>
-        <a:effectStyle>
-          <a:effectLst>
-            <a:outerShdw blurRad="40000" dist="23000" dir="5400000" rotWithShape="0">
-              <a:srgbClr val="000000">
-                <a:alpha val="35000"/>
-              </a:srgbClr>
-            </a:outerShdw>
-          </a:effectLst>
-          <a:scene3d>
-            <a:camera prst="orthographicFront">
-              <a:rot lat="0" lon="0" rev="0"/>
-            </a:camera>
-            <a:lightRig rig="threePt" dir="t">
-              <a:rot lat="0" lon="0" rev="1200000"/>
-            </a:lightRig>
-          </a:scene3d>
-          <a:sp3d>
-            <a:bevelT w="63500" h="25400"/>
-          </a:sp3d>
-        </a:effectStyle>
-      </a:effectStyleLst>
-      <a:bgFillStyleLst>
-        <a:solidFill>
-          <a:schemeClr val="phClr"/>
-        </a:solidFill>
-        <a:gradFill rotWithShape="1">
-          <a:gsLst>
-            <a:gs pos="0">
-              <a:schemeClr val="phClr">
-                <a:tint val="40000"/>
-                <a:satMod val="350000"/>
-              </a:schemeClr>
-            </a:gs>
-            <a:gs pos="40000">
-              <a:schemeClr val="phClr">
-                <a:tint val="45000"/>
-                <a:shade val="99000"/>
-                <a:satMod val="350000"/>
-              </a:schemeClr>
-            </a:gs>
-            <a:gs pos="100000">
-              <a:schemeClr val="phClr">
-                <a:shade val="20000"/>
-                <a:satMod val="255000"/>
-              </a:schemeClr>
-            </a:gs>
-          </a:gsLst>
-          <a:path path="circle">
-            <a:fillToRect l="50000" t="-80000" r="50000" b="180000"/>
-          </a:path>
-        </a:gradFill>
-        <a:gradFill rotWithShape="1">
-          <a:gsLst>
-            <a:gs pos="0">
-              <a:schemeClr val="phClr">
-                <a:tint val="80000"/>
-                <a:satMod val="300000"/>
-              </a:schemeClr>
-            </a:gs>
-            <a:gs pos="100000">
-              <a:schemeClr val="phClr">
-                <a:shade val="30000"/>
-                <a:satMod val="200000"/>
-              </a:schemeClr>
-            </a:gs>
-          </a:gsLst>
-          <a:path path="circle">
-            <a:fillToRect l="50000" t="50000" r="50000" b="50000"/>
-          </a:path>
-        </a:gradFill>
-      </a:bgFillStyleLst>
-    </a:fmtScheme>
-  </a:themeElements>
-</a:theme>
 </file>
--- a/resources/CSCI-331 Group 7 Final Presentation.pptx
+++ b/resources/CSCI-331 Group 7 Final Presentation.pptx
@@ -827,7 +827,7 @@
   <p:cSld>
     <p:spTree>
       <p:nvGrpSpPr>
-        <p:cNvPr id="191" name="Shape 191"/>
+        <p:cNvPr id="193" name="Shape 193"/>
         <p:cNvGrpSpPr/>
         <p:nvPr/>
       </p:nvGrpSpPr>
@@ -841,7 +841,7 @@
       </p:grpSpPr>
       <p:sp>
         <p:nvSpPr>
-          <p:cNvPr id="192" name="Google Shape;192;g3ad124cbc2e_0_0:notes"/>
+          <p:cNvPr id="194" name="Google Shape;194;g3ad124cbc2e_0_0:notes"/>
           <p:cNvSpPr/>
           <p:nvPr>
             <p:ph idx="2" type="sldImg"/>
@@ -876,7 +876,7 @@
       </p:sp>
       <p:sp>
         <p:nvSpPr>
-          <p:cNvPr id="193" name="Google Shape;193;g3ad124cbc2e_0_0:notes"/>
+          <p:cNvPr id="195" name="Google Shape;195;g3ad124cbc2e_0_0:notes"/>
           <p:cNvSpPr txBox="1"/>
           <p:nvPr>
             <p:ph idx="1" type="body"/>
@@ -926,7 +926,7 @@
   <p:cSld>
     <p:spTree>
       <p:nvGrpSpPr>
-        <p:cNvPr id="199" name="Shape 199"/>
+        <p:cNvPr id="201" name="Shape 201"/>
         <p:cNvGrpSpPr/>
         <p:nvPr/>
       </p:nvGrpSpPr>
@@ -940,7 +940,7 @@
       </p:grpSpPr>
       <p:sp>
         <p:nvSpPr>
-          <p:cNvPr id="200" name="Google Shape;200;g3ace1942f30_0_17:notes"/>
+          <p:cNvPr id="202" name="Google Shape;202;g3ace1942f30_0_17:notes"/>
           <p:cNvSpPr/>
           <p:nvPr>
             <p:ph idx="2" type="sldImg"/>
@@ -975,7 +975,7 @@
       </p:sp>
       <p:sp>
         <p:nvSpPr>
-          <p:cNvPr id="201" name="Google Shape;201;g3ace1942f30_0_17:notes"/>
+          <p:cNvPr id="203" name="Google Shape;203;g3ace1942f30_0_17:notes"/>
           <p:cNvSpPr txBox="1"/>
           <p:nvPr>
             <p:ph idx="1" type="body"/>
@@ -1025,7 +1025,7 @@
   <p:cSld>
     <p:spTree>
       <p:nvGrpSpPr>
-        <p:cNvPr id="207" name="Shape 207"/>
+        <p:cNvPr id="209" name="Shape 209"/>
         <p:cNvGrpSpPr/>
         <p:nvPr/>
       </p:nvGrpSpPr>
@@ -1039,7 +1039,7 @@
       </p:grpSpPr>
       <p:sp>
         <p:nvSpPr>
-          <p:cNvPr id="208" name="Google Shape;208;g3acd7f599fe_0_5:notes"/>
+          <p:cNvPr id="210" name="Google Shape;210;g3acd7f599fe_0_5:notes"/>
           <p:cNvSpPr/>
           <p:nvPr>
             <p:ph idx="2" type="sldImg"/>
@@ -1074,7 +1074,7 @@
       </p:sp>
       <p:sp>
         <p:nvSpPr>
-          <p:cNvPr id="209" name="Google Shape;209;g3acd7f599fe_0_5:notes"/>
+          <p:cNvPr id="211" name="Google Shape;211;g3acd7f599fe_0_5:notes"/>
           <p:cNvSpPr txBox="1"/>
           <p:nvPr>
             <p:ph idx="1" type="body"/>
@@ -1124,7 +1124,7 @@
   <p:cSld>
     <p:spTree>
       <p:nvGrpSpPr>
-        <p:cNvPr id="215" name="Shape 215"/>
+        <p:cNvPr id="217" name="Shape 217"/>
         <p:cNvGrpSpPr/>
         <p:nvPr/>
       </p:nvGrpSpPr>
@@ -1138,7 +1138,7 @@
       </p:grpSpPr>
       <p:sp>
         <p:nvSpPr>
-          <p:cNvPr id="216" name="Google Shape;216;g3913973907d_0_0:notes"/>
+          <p:cNvPr id="218" name="Google Shape;218;g3913973907d_0_0:notes"/>
           <p:cNvSpPr/>
           <p:nvPr>
             <p:ph idx="2" type="sldImg"/>
@@ -1173,7 +1173,7 @@
       </p:sp>
       <p:sp>
         <p:nvSpPr>
-          <p:cNvPr id="217" name="Google Shape;217;g3913973907d_0_0:notes"/>
+          <p:cNvPr id="219" name="Google Shape;219;g3913973907d_0_0:notes"/>
           <p:cNvSpPr txBox="1"/>
           <p:nvPr>
             <p:ph idx="1" type="body"/>
@@ -1223,7 +1223,7 @@
   <p:cSld>
     <p:spTree>
       <p:nvGrpSpPr>
-        <p:cNvPr id="220" name="Shape 220"/>
+        <p:cNvPr id="222" name="Shape 222"/>
         <p:cNvGrpSpPr/>
         <p:nvPr/>
       </p:nvGrpSpPr>
@@ -1237,7 +1237,7 @@
       </p:grpSpPr>
       <p:sp>
         <p:nvSpPr>
-          <p:cNvPr id="221" name="Google Shape;221;g3acf9e6fdf2_0_17:notes"/>
+          <p:cNvPr id="223" name="Google Shape;223;g3acf9e6fdf2_0_17:notes"/>
           <p:cNvSpPr/>
           <p:nvPr>
             <p:ph idx="2" type="sldImg"/>
@@ -1272,7 +1272,7 @@
       </p:sp>
       <p:sp>
         <p:nvSpPr>
-          <p:cNvPr id="222" name="Google Shape;222;g3acf9e6fdf2_0_17:notes"/>
+          <p:cNvPr id="224" name="Google Shape;224;g3acf9e6fdf2_0_17:notes"/>
           <p:cNvSpPr txBox="1"/>
           <p:nvPr>
             <p:ph idx="1" type="body"/>
@@ -1322,7 +1322,7 @@
   <p:cSld>
     <p:spTree>
       <p:nvGrpSpPr>
-        <p:cNvPr id="226" name="Shape 226"/>
+        <p:cNvPr id="228" name="Shape 228"/>
         <p:cNvGrpSpPr/>
         <p:nvPr/>
       </p:nvGrpSpPr>
@@ -1336,7 +1336,7 @@
       </p:grpSpPr>
       <p:sp>
         <p:nvSpPr>
-          <p:cNvPr id="227" name="Google Shape;227;g39155f4dc57_0_3:notes"/>
+          <p:cNvPr id="229" name="Google Shape;229;g39155f4dc57_0_3:notes"/>
           <p:cNvSpPr/>
           <p:nvPr>
             <p:ph idx="2" type="sldImg"/>
@@ -1371,7 +1371,7 @@
       </p:sp>
       <p:sp>
         <p:nvSpPr>
-          <p:cNvPr id="228" name="Google Shape;228;g39155f4dc57_0_3:notes"/>
+          <p:cNvPr id="230" name="Google Shape;230;g39155f4dc57_0_3:notes"/>
           <p:cNvSpPr txBox="1"/>
           <p:nvPr>
             <p:ph idx="1" type="body"/>
@@ -1421,7 +1421,7 @@
   <p:cSld>
     <p:spTree>
       <p:nvGrpSpPr>
-        <p:cNvPr id="233" name="Shape 233"/>
+        <p:cNvPr id="235" name="Shape 235"/>
         <p:cNvGrpSpPr/>
         <p:nvPr/>
       </p:nvGrpSpPr>
@@ -1435,7 +1435,7 @@
       </p:grpSpPr>
       <p:sp>
         <p:nvSpPr>
-          <p:cNvPr id="234" name="Google Shape;234;g39155f4dc57_0_20:notes"/>
+          <p:cNvPr id="236" name="Google Shape;236;g39155f4dc57_0_20:notes"/>
           <p:cNvSpPr/>
           <p:nvPr>
             <p:ph idx="2" type="sldImg"/>
@@ -1470,7 +1470,7 @@
       </p:sp>
       <p:sp>
         <p:nvSpPr>
-          <p:cNvPr id="235" name="Google Shape;235;g39155f4dc57_0_20:notes"/>
+          <p:cNvPr id="237" name="Google Shape;237;g39155f4dc57_0_20:notes"/>
           <p:cNvSpPr txBox="1"/>
           <p:nvPr>
             <p:ph idx="1" type="body"/>
@@ -1520,7 +1520,7 @@
   <p:cSld>
     <p:spTree>
       <p:nvGrpSpPr>
-        <p:cNvPr id="240" name="Shape 240"/>
+        <p:cNvPr id="242" name="Shape 242"/>
         <p:cNvGrpSpPr/>
         <p:nvPr/>
       </p:nvGrpSpPr>
@@ -1534,7 +1534,7 @@
       </p:grpSpPr>
       <p:sp>
         <p:nvSpPr>
-          <p:cNvPr id="241" name="Google Shape;241;g3ac8b76cbae_0_30:notes"/>
+          <p:cNvPr id="243" name="Google Shape;243;g3ac8b76cbae_0_30:notes"/>
           <p:cNvSpPr/>
           <p:nvPr>
             <p:ph idx="2" type="sldImg"/>
@@ -1569,7 +1569,7 @@
       </p:sp>
       <p:sp>
         <p:nvSpPr>
-          <p:cNvPr id="242" name="Google Shape;242;g3ac8b76cbae_0_30:notes"/>
+          <p:cNvPr id="244" name="Google Shape;244;g3ac8b76cbae_0_30:notes"/>
           <p:cNvSpPr txBox="1"/>
           <p:nvPr>
             <p:ph idx="1" type="body"/>
@@ -1619,7 +1619,7 @@
   <p:cSld>
     <p:spTree>
       <p:nvGrpSpPr>
-        <p:cNvPr id="248" name="Shape 248"/>
+        <p:cNvPr id="250" name="Shape 250"/>
         <p:cNvGrpSpPr/>
         <p:nvPr/>
       </p:nvGrpSpPr>
@@ -1633,7 +1633,7 @@
       </p:grpSpPr>
       <p:sp>
         <p:nvSpPr>
-          <p:cNvPr id="249" name="Google Shape;249;g3acefda34fe_0_0:notes"/>
+          <p:cNvPr id="251" name="Google Shape;251;g3acefda34fe_0_0:notes"/>
           <p:cNvSpPr/>
           <p:nvPr>
             <p:ph idx="2" type="sldImg"/>
@@ -1668,7 +1668,7 @@
       </p:sp>
       <p:sp>
         <p:nvSpPr>
-          <p:cNvPr id="250" name="Google Shape;250;g3acefda34fe_0_0:notes"/>
+          <p:cNvPr id="252" name="Google Shape;252;g3acefda34fe_0_0:notes"/>
           <p:cNvSpPr txBox="1"/>
           <p:nvPr>
             <p:ph idx="1" type="body"/>
@@ -1718,7 +1718,7 @@
   <p:cSld>
     <p:spTree>
       <p:nvGrpSpPr>
-        <p:cNvPr id="254" name="Shape 254"/>
+        <p:cNvPr id="256" name="Shape 256"/>
         <p:cNvGrpSpPr/>
         <p:nvPr/>
       </p:nvGrpSpPr>
@@ -1732,7 +1732,7 @@
       </p:grpSpPr>
       <p:sp>
         <p:nvSpPr>
-          <p:cNvPr id="255" name="Google Shape;255;g3acf9e6fdf2_0_5:notes"/>
+          <p:cNvPr id="257" name="Google Shape;257;g3acf9e6fdf2_0_5:notes"/>
           <p:cNvSpPr/>
           <p:nvPr>
             <p:ph idx="2" type="sldImg"/>
@@ -1767,7 +1767,7 @@
       </p:sp>
       <p:sp>
         <p:nvSpPr>
-          <p:cNvPr id="256" name="Google Shape;256;g3acf9e6fdf2_0_5:notes"/>
+          <p:cNvPr id="258" name="Google Shape;258;g3acf9e6fdf2_0_5:notes"/>
           <p:cNvSpPr txBox="1"/>
           <p:nvPr>
             <p:ph idx="1" type="body"/>
@@ -1916,7 +1916,7 @@
   <p:cSld>
     <p:spTree>
       <p:nvGrpSpPr>
-        <p:cNvPr id="262" name="Shape 262"/>
+        <p:cNvPr id="264" name="Shape 264"/>
         <p:cNvGrpSpPr/>
         <p:nvPr/>
       </p:nvGrpSpPr>
@@ -1930,7 +1930,7 @@
       </p:grpSpPr>
       <p:sp>
         <p:nvSpPr>
-          <p:cNvPr id="263" name="Google Shape;263;g3ac8b76cbae_0_40:notes"/>
+          <p:cNvPr id="265" name="Google Shape;265;g3ac8b76cbae_0_40:notes"/>
           <p:cNvSpPr/>
           <p:nvPr>
             <p:ph idx="2" type="sldImg"/>
@@ -1965,7 +1965,7 @@
       </p:sp>
       <p:sp>
         <p:nvSpPr>
-          <p:cNvPr id="264" name="Google Shape;264;g3ac8b76cbae_0_40:notes"/>
+          <p:cNvPr id="266" name="Google Shape;266;g3ac8b76cbae_0_40:notes"/>
           <p:cNvSpPr txBox="1"/>
           <p:nvPr>
             <p:ph idx="1" type="body"/>
@@ -2015,7 +2015,7 @@
   <p:cSld>
     <p:spTree>
       <p:nvGrpSpPr>
-        <p:cNvPr id="268" name="Shape 268"/>
+        <p:cNvPr id="270" name="Shape 270"/>
         <p:cNvGrpSpPr/>
         <p:nvPr/>
       </p:nvGrpSpPr>
@@ -2029,7 +2029,7 @@
       </p:grpSpPr>
       <p:sp>
         <p:nvSpPr>
-          <p:cNvPr id="269" name="Google Shape;269;g3acd7f599fe_0_0:notes"/>
+          <p:cNvPr id="271" name="Google Shape;271;g3acd7f599fe_0_0:notes"/>
           <p:cNvSpPr/>
           <p:nvPr>
             <p:ph idx="2" type="sldImg"/>
@@ -2064,7 +2064,7 @@
       </p:sp>
       <p:sp>
         <p:nvSpPr>
-          <p:cNvPr id="270" name="Google Shape;270;g3acd7f599fe_0_0:notes"/>
+          <p:cNvPr id="272" name="Google Shape;272;g3acd7f599fe_0_0:notes"/>
           <p:cNvSpPr txBox="1"/>
           <p:nvPr>
             <p:ph idx="1" type="body"/>
@@ -2114,7 +2114,7 @@
   <p:cSld>
     <p:spTree>
       <p:nvGrpSpPr>
-        <p:cNvPr id="274" name="Shape 274"/>
+        <p:cNvPr id="276" name="Shape 276"/>
         <p:cNvGrpSpPr/>
         <p:nvPr/>
       </p:nvGrpSpPr>
@@ -2128,7 +2128,7 @@
       </p:grpSpPr>
       <p:sp>
         <p:nvSpPr>
-          <p:cNvPr id="275" name="Google Shape;275;g3ac7edae1b9_0_0:notes"/>
+          <p:cNvPr id="277" name="Google Shape;277;g3ac7edae1b9_0_0:notes"/>
           <p:cNvSpPr/>
           <p:nvPr>
             <p:ph idx="2" type="sldImg"/>
@@ -2163,7 +2163,7 @@
       </p:sp>
       <p:sp>
         <p:nvSpPr>
-          <p:cNvPr id="276" name="Google Shape;276;g3ac7edae1b9_0_0:notes"/>
+          <p:cNvPr id="278" name="Google Shape;278;g3ac7edae1b9_0_0:notes"/>
           <p:cNvSpPr txBox="1"/>
           <p:nvPr>
             <p:ph idx="1" type="body"/>
@@ -2411,7 +2411,7 @@
   <p:cSld>
     <p:spTree>
       <p:nvGrpSpPr>
-        <p:cNvPr id="156" name="Shape 156"/>
+        <p:cNvPr id="158" name="Shape 158"/>
         <p:cNvGrpSpPr/>
         <p:nvPr/>
       </p:nvGrpSpPr>
@@ -2425,7 +2425,7 @@
       </p:grpSpPr>
       <p:sp>
         <p:nvSpPr>
-          <p:cNvPr id="157" name="Google Shape;157;g3ac8b76cbae_0_1:notes"/>
+          <p:cNvPr id="159" name="Google Shape;159;g3ac8b76cbae_0_1:notes"/>
           <p:cNvSpPr/>
           <p:nvPr>
             <p:ph idx="2" type="sldImg"/>
@@ -2460,7 +2460,7 @@
       </p:sp>
       <p:sp>
         <p:nvSpPr>
-          <p:cNvPr id="158" name="Google Shape;158;g3ac8b76cbae_0_1:notes"/>
+          <p:cNvPr id="160" name="Google Shape;160;g3ac8b76cbae_0_1:notes"/>
           <p:cNvSpPr txBox="1"/>
           <p:nvPr>
             <p:ph idx="1" type="body"/>
@@ -2510,7 +2510,7 @@
   <p:cSld>
     <p:spTree>
       <p:nvGrpSpPr>
-        <p:cNvPr id="164" name="Shape 164"/>
+        <p:cNvPr id="166" name="Shape 166"/>
         <p:cNvGrpSpPr/>
         <p:nvPr/>
       </p:nvGrpSpPr>
@@ -2524,7 +2524,7 @@
       </p:grpSpPr>
       <p:sp>
         <p:nvSpPr>
-          <p:cNvPr id="165" name="Google Shape;165;g3913973907d_0_5:notes"/>
+          <p:cNvPr id="167" name="Google Shape;167;g3913973907d_0_5:notes"/>
           <p:cNvSpPr/>
           <p:nvPr>
             <p:ph idx="2" type="sldImg"/>
@@ -2559,7 +2559,7 @@
       </p:sp>
       <p:sp>
         <p:nvSpPr>
-          <p:cNvPr id="166" name="Google Shape;166;g3913973907d_0_5:notes"/>
+          <p:cNvPr id="168" name="Google Shape;168;g3913973907d_0_5:notes"/>
           <p:cNvSpPr txBox="1"/>
           <p:nvPr>
             <p:ph idx="1" type="body"/>
@@ -2609,7 +2609,7 @@
   <p:cSld>
     <p:spTree>
       <p:nvGrpSpPr>
-        <p:cNvPr id="169" name="Shape 169"/>
+        <p:cNvPr id="171" name="Shape 171"/>
         <p:cNvGrpSpPr/>
         <p:nvPr/>
       </p:nvGrpSpPr>
@@ -2623,7 +2623,7 @@
       </p:grpSpPr>
       <p:sp>
         <p:nvSpPr>
-          <p:cNvPr id="170" name="Google Shape;170;g3acf9e6fdf2_0_10:notes"/>
+          <p:cNvPr id="172" name="Google Shape;172;g3acf9e6fdf2_0_10:notes"/>
           <p:cNvSpPr/>
           <p:nvPr>
             <p:ph idx="2" type="sldImg"/>
@@ -2658,7 +2658,7 @@
       </p:sp>
       <p:sp>
         <p:nvSpPr>
-          <p:cNvPr id="171" name="Google Shape;171;g3acf9e6fdf2_0_10:notes"/>
+          <p:cNvPr id="173" name="Google Shape;173;g3acf9e6fdf2_0_10:notes"/>
           <p:cNvSpPr txBox="1"/>
           <p:nvPr>
             <p:ph idx="1" type="body"/>
@@ -2708,7 +2708,7 @@
   <p:cSld>
     <p:spTree>
       <p:nvGrpSpPr>
-        <p:cNvPr id="175" name="Shape 175"/>
+        <p:cNvPr id="177" name="Shape 177"/>
         <p:cNvGrpSpPr/>
         <p:nvPr/>
       </p:nvGrpSpPr>
@@ -2722,7 +2722,7 @@
       </p:grpSpPr>
       <p:sp>
         <p:nvSpPr>
-          <p:cNvPr id="176" name="Google Shape;176;g3acd7f599fe_0_20:notes"/>
+          <p:cNvPr id="178" name="Google Shape;178;g3acd7f599fe_0_20:notes"/>
           <p:cNvSpPr/>
           <p:nvPr>
             <p:ph idx="2" type="sldImg"/>
@@ -2757,7 +2757,7 @@
       </p:sp>
       <p:sp>
         <p:nvSpPr>
-          <p:cNvPr id="177" name="Google Shape;177;g3acd7f599fe_0_20:notes"/>
+          <p:cNvPr id="179" name="Google Shape;179;g3acd7f599fe_0_20:notes"/>
           <p:cNvSpPr txBox="1"/>
           <p:nvPr>
             <p:ph idx="1" type="body"/>
@@ -2807,7 +2807,7 @@
   <p:cSld>
     <p:spTree>
       <p:nvGrpSpPr>
-        <p:cNvPr id="183" name="Shape 183"/>
+        <p:cNvPr id="185" name="Shape 185"/>
         <p:cNvGrpSpPr/>
         <p:nvPr/>
       </p:nvGrpSpPr>
@@ -2821,7 +2821,7 @@
       </p:grpSpPr>
       <p:sp>
         <p:nvSpPr>
-          <p:cNvPr id="184" name="Google Shape;184;g3ace1942f30_0_12:notes"/>
+          <p:cNvPr id="186" name="Google Shape;186;g3ace1942f30_0_12:notes"/>
           <p:cNvSpPr/>
           <p:nvPr>
             <p:ph idx="2" type="sldImg"/>
@@ -2856,7 +2856,7 @@
       </p:sp>
       <p:sp>
         <p:nvSpPr>
-          <p:cNvPr id="185" name="Google Shape;185;g3ace1942f30_0_12:notes"/>
+          <p:cNvPr id="187" name="Google Shape;187;g3ace1942f30_0_12:notes"/>
           <p:cNvSpPr txBox="1"/>
           <p:nvPr>
             <p:ph idx="1" type="body"/>
@@ -11274,7 +11274,7 @@
   <p:cSld>
     <p:spTree>
       <p:nvGrpSpPr>
-        <p:cNvPr id="194" name="Shape 194"/>
+        <p:cNvPr id="196" name="Shape 196"/>
         <p:cNvGrpSpPr/>
         <p:nvPr/>
       </p:nvGrpSpPr>
@@ -11288,7 +11288,7 @@
       </p:grpSpPr>
       <p:sp>
         <p:nvSpPr>
-          <p:cNvPr id="195" name="Google Shape;195;p22"/>
+          <p:cNvPr id="197" name="Google Shape;197;p22"/>
           <p:cNvSpPr txBox="1"/>
           <p:nvPr>
             <p:ph type="title"/>
@@ -11335,7 +11335,7 @@
       </p:sp>
       <p:sp>
         <p:nvSpPr>
-          <p:cNvPr id="196" name="Google Shape;196;p22"/>
+          <p:cNvPr id="198" name="Google Shape;198;p22"/>
           <p:cNvSpPr txBox="1"/>
           <p:nvPr>
             <p:ph idx="1" type="body"/>
@@ -11376,7 +11376,7 @@
       </p:sp>
       <p:pic>
         <p:nvPicPr>
-          <p:cNvPr id="197" name="Google Shape;197;p22"/>
+          <p:cNvPr id="199" name="Google Shape;199;p22"/>
           <p:cNvPicPr preferRelativeResize="0"/>
           <p:nvPr/>
         </p:nvPicPr>
@@ -11403,7 +11403,7 @@
       </p:pic>
       <p:sp>
         <p:nvSpPr>
-          <p:cNvPr id="198" name="Google Shape;198;p22"/>
+          <p:cNvPr id="200" name="Google Shape;200;p22"/>
           <p:cNvSpPr/>
           <p:nvPr/>
         </p:nvSpPr>
@@ -11471,7 +11471,7 @@
   <p:cSld>
     <p:spTree>
       <p:nvGrpSpPr>
-        <p:cNvPr id="202" name="Shape 202"/>
+        <p:cNvPr id="204" name="Shape 204"/>
         <p:cNvGrpSpPr/>
         <p:nvPr/>
       </p:nvGrpSpPr>
@@ -11485,7 +11485,7 @@
       </p:grpSpPr>
       <p:sp>
         <p:nvSpPr>
-          <p:cNvPr id="203" name="Google Shape;203;p23"/>
+          <p:cNvPr id="205" name="Google Shape;205;p23"/>
           <p:cNvSpPr txBox="1"/>
           <p:nvPr>
             <p:ph type="title"/>
@@ -11532,7 +11532,7 @@
       </p:sp>
       <p:sp>
         <p:nvSpPr>
-          <p:cNvPr id="204" name="Google Shape;204;p23"/>
+          <p:cNvPr id="206" name="Google Shape;206;p23"/>
           <p:cNvSpPr txBox="1"/>
           <p:nvPr>
             <p:ph idx="1" type="body"/>
@@ -11573,7 +11573,7 @@
       </p:sp>
       <p:pic>
         <p:nvPicPr>
-          <p:cNvPr id="205" name="Google Shape;205;p23"/>
+          <p:cNvPr id="207" name="Google Shape;207;p23"/>
           <p:cNvPicPr preferRelativeResize="0"/>
           <p:nvPr/>
         </p:nvPicPr>
@@ -11600,7 +11600,7 @@
       </p:pic>
       <p:sp>
         <p:nvSpPr>
-          <p:cNvPr id="206" name="Google Shape;206;p23"/>
+          <p:cNvPr id="208" name="Google Shape;208;p23"/>
           <p:cNvSpPr/>
           <p:nvPr/>
         </p:nvSpPr>
@@ -11668,7 +11668,7 @@
   <p:cSld>
     <p:spTree>
       <p:nvGrpSpPr>
-        <p:cNvPr id="210" name="Shape 210"/>
+        <p:cNvPr id="212" name="Shape 212"/>
         <p:cNvGrpSpPr/>
         <p:nvPr/>
       </p:nvGrpSpPr>
@@ -11682,7 +11682,7 @@
       </p:grpSpPr>
       <p:sp>
         <p:nvSpPr>
-          <p:cNvPr id="211" name="Google Shape;211;p24"/>
+          <p:cNvPr id="213" name="Google Shape;213;p24"/>
           <p:cNvSpPr txBox="1"/>
           <p:nvPr>
             <p:ph type="title"/>
@@ -11725,7 +11725,7 @@
       </p:sp>
       <p:sp>
         <p:nvSpPr>
-          <p:cNvPr id="212" name="Google Shape;212;p24"/>
+          <p:cNvPr id="214" name="Google Shape;214;p24"/>
           <p:cNvSpPr txBox="1"/>
           <p:nvPr>
             <p:ph idx="1" type="body"/>
@@ -11783,7 +11783,7 @@
       </p:sp>
       <p:pic>
         <p:nvPicPr>
-          <p:cNvPr id="213" name="Google Shape;213;p24"/>
+          <p:cNvPr id="215" name="Google Shape;215;p24"/>
           <p:cNvPicPr preferRelativeResize="0"/>
           <p:nvPr/>
         </p:nvPicPr>
@@ -11810,7 +11810,7 @@
       </p:pic>
       <p:pic>
         <p:nvPicPr>
-          <p:cNvPr id="214" name="Google Shape;214;p24"/>
+          <p:cNvPr id="216" name="Google Shape;216;p24"/>
           <p:cNvPicPr preferRelativeResize="0"/>
           <p:nvPr/>
         </p:nvPicPr>
@@ -11848,7 +11848,7 @@
   <p:cSld>
     <p:spTree>
       <p:nvGrpSpPr>
-        <p:cNvPr id="218" name="Shape 218"/>
+        <p:cNvPr id="220" name="Shape 220"/>
         <p:cNvGrpSpPr/>
         <p:nvPr/>
       </p:nvGrpSpPr>
@@ -11862,7 +11862,7 @@
       </p:grpSpPr>
       <p:sp>
         <p:nvSpPr>
-          <p:cNvPr id="219" name="Google Shape;219;p25"/>
+          <p:cNvPr id="221" name="Google Shape;221;p25"/>
           <p:cNvSpPr txBox="1"/>
           <p:nvPr>
             <p:ph type="title"/>
@@ -11916,7 +11916,7 @@
   <p:cSld>
     <p:spTree>
       <p:nvGrpSpPr>
-        <p:cNvPr id="223" name="Shape 223"/>
+        <p:cNvPr id="225" name="Shape 225"/>
         <p:cNvGrpSpPr/>
         <p:nvPr/>
       </p:nvGrpSpPr>
@@ -11930,7 +11930,7 @@
       </p:grpSpPr>
       <p:pic>
         <p:nvPicPr>
-          <p:cNvPr id="224" name="Google Shape;224;p26" title="MTCS.mp4">
+          <p:cNvPr id="226" name="Google Shape;226;p26" title="MTCS.mp4">
             <a:hlinkClick r:id="rId3"/>
           </p:cNvPr>
           <p:cNvPicPr preferRelativeResize="0"/>
@@ -11960,7 +11960,7 @@
       </p:pic>
       <p:sp>
         <p:nvSpPr>
-          <p:cNvPr id="225" name="Google Shape;225;p26"/>
+          <p:cNvPr id="227" name="Google Shape;227;p26"/>
           <p:cNvSpPr txBox="1"/>
           <p:nvPr>
             <p:ph type="title"/>
@@ -11995,7 +11995,11 @@
             </a:pPr>
             <a:r>
               <a:rPr lang="en" sz="3600"/>
-              <a:t>Expectiminimax Demo - 179s</a:t>
+              <a:t>MTCS</a:t>
+            </a:r>
+            <a:r>
+              <a:rPr lang="en" sz="3600"/>
+              <a:t> Demo - 179s</a:t>
             </a:r>
             <a:endParaRPr sz="3600"/>
           </a:p>
@@ -12014,7 +12018,7 @@
   <p:cSld>
     <p:spTree>
       <p:nvGrpSpPr>
-        <p:cNvPr id="229" name="Shape 229"/>
+        <p:cNvPr id="231" name="Shape 231"/>
         <p:cNvGrpSpPr/>
         <p:nvPr/>
       </p:nvGrpSpPr>
@@ -12028,7 +12032,7 @@
       </p:grpSpPr>
       <p:sp>
         <p:nvSpPr>
-          <p:cNvPr id="230" name="Google Shape;230;p27"/>
+          <p:cNvPr id="232" name="Google Shape;232;p27"/>
           <p:cNvSpPr txBox="1"/>
           <p:nvPr>
             <p:ph type="title"/>
@@ -12071,7 +12075,7 @@
       </p:sp>
       <p:pic>
         <p:nvPicPr>
-          <p:cNvPr id="231" name="Google Shape;231;p27" title="emm_graph_1.png"/>
+          <p:cNvPr id="233" name="Google Shape;233;p27" title="emm_graph_1.png"/>
           <p:cNvPicPr preferRelativeResize="0"/>
           <p:nvPr/>
         </p:nvPicPr>
@@ -12099,7 +12103,7 @@
       </p:pic>
       <p:pic>
         <p:nvPicPr>
-          <p:cNvPr id="232" name="Google Shape;232;p27" title="emm_graph_2.png"/>
+          <p:cNvPr id="234" name="Google Shape;234;p27" title="emm_graph_2.png"/>
           <p:cNvPicPr preferRelativeResize="0"/>
           <p:nvPr/>
         </p:nvPicPr>
@@ -12138,7 +12142,7 @@
   <p:cSld>
     <p:spTree>
       <p:nvGrpSpPr>
-        <p:cNvPr id="236" name="Shape 236"/>
+        <p:cNvPr id="238" name="Shape 238"/>
         <p:cNvGrpSpPr/>
         <p:nvPr/>
       </p:nvGrpSpPr>
@@ -12152,7 +12156,7 @@
       </p:grpSpPr>
       <p:sp>
         <p:nvSpPr>
-          <p:cNvPr id="237" name="Google Shape;237;p28"/>
+          <p:cNvPr id="239" name="Google Shape;239;p28"/>
           <p:cNvSpPr txBox="1"/>
           <p:nvPr>
             <p:ph type="title"/>
@@ -12199,7 +12203,7 @@
       </p:sp>
       <p:pic>
         <p:nvPicPr>
-          <p:cNvPr id="238" name="Google Shape;238;p28" title="mcts_graph_1.png"/>
+          <p:cNvPr id="240" name="Google Shape;240;p28" title="mcts_graph_1.png"/>
           <p:cNvPicPr preferRelativeResize="0"/>
           <p:nvPr/>
         </p:nvPicPr>
@@ -12227,7 +12231,7 @@
       </p:pic>
       <p:pic>
         <p:nvPicPr>
-          <p:cNvPr id="239" name="Google Shape;239;p28" title="mcts_graph_2.png"/>
+          <p:cNvPr id="241" name="Google Shape;241;p28" title="mcts_graph_2.png"/>
           <p:cNvPicPr preferRelativeResize="0"/>
           <p:nvPr/>
         </p:nvPicPr>
@@ -12266,7 +12270,7 @@
   <p:cSld>
     <p:spTree>
       <p:nvGrpSpPr>
-        <p:cNvPr id="243" name="Shape 243"/>
+        <p:cNvPr id="245" name="Shape 245"/>
         <p:cNvGrpSpPr/>
         <p:nvPr/>
       </p:nvGrpSpPr>
@@ -12280,7 +12284,7 @@
       </p:grpSpPr>
       <p:sp>
         <p:nvSpPr>
-          <p:cNvPr id="244" name="Google Shape;244;p29"/>
+          <p:cNvPr id="246" name="Google Shape;246;p29"/>
           <p:cNvSpPr txBox="1"/>
           <p:nvPr>
             <p:ph idx="1" type="body"/>
@@ -12361,7 +12365,7 @@
       </p:sp>
       <p:sp>
         <p:nvSpPr>
-          <p:cNvPr id="245" name="Google Shape;245;p29"/>
+          <p:cNvPr id="247" name="Google Shape;247;p29"/>
           <p:cNvSpPr txBox="1"/>
           <p:nvPr>
             <p:ph type="title"/>
@@ -12404,7 +12408,7 @@
       </p:sp>
       <p:pic>
         <p:nvPicPr>
-          <p:cNvPr id="246" name="Google Shape;246;p29" title="emm_data.png"/>
+          <p:cNvPr id="248" name="Google Shape;248;p29" title="emm_data.png"/>
           <p:cNvPicPr preferRelativeResize="0"/>
           <p:nvPr/>
         </p:nvPicPr>
@@ -12431,7 +12435,7 @@
       </p:pic>
       <p:pic>
         <p:nvPicPr>
-          <p:cNvPr id="247" name="Google Shape;247;p29" title="mcts_data.png"/>
+          <p:cNvPr id="249" name="Google Shape;249;p29" title="mcts_data.png"/>
           <p:cNvPicPr preferRelativeResize="0"/>
           <p:nvPr/>
         </p:nvPicPr>
@@ -12470,7 +12474,7 @@
   <p:cSld>
     <p:spTree>
       <p:nvGrpSpPr>
-        <p:cNvPr id="251" name="Shape 251"/>
+        <p:cNvPr id="253" name="Shape 253"/>
         <p:cNvGrpSpPr/>
         <p:nvPr/>
       </p:nvGrpSpPr>
@@ -12484,7 +12488,7 @@
       </p:grpSpPr>
       <p:sp>
         <p:nvSpPr>
-          <p:cNvPr id="252" name="Google Shape;252;p30"/>
+          <p:cNvPr id="254" name="Google Shape;254;p30"/>
           <p:cNvSpPr txBox="1"/>
           <p:nvPr>
             <p:ph type="title"/>
@@ -12527,7 +12531,7 @@
       </p:sp>
       <p:sp>
         <p:nvSpPr>
-          <p:cNvPr id="253" name="Google Shape;253;p30"/>
+          <p:cNvPr id="255" name="Google Shape;255;p30"/>
           <p:cNvSpPr txBox="1"/>
           <p:nvPr>
             <p:ph idx="1" type="body"/>
@@ -12815,7 +12819,7 @@
   <p:cSld>
     <p:spTree>
       <p:nvGrpSpPr>
-        <p:cNvPr id="257" name="Shape 257"/>
+        <p:cNvPr id="259" name="Shape 259"/>
         <p:cNvGrpSpPr/>
         <p:nvPr/>
       </p:nvGrpSpPr>
@@ -12829,7 +12833,7 @@
       </p:grpSpPr>
       <p:sp>
         <p:nvSpPr>
-          <p:cNvPr id="258" name="Google Shape;258;p31"/>
+          <p:cNvPr id="260" name="Google Shape;260;p31"/>
           <p:cNvSpPr txBox="1"/>
           <p:nvPr>
             <p:ph type="title"/>
@@ -12873,7 +12877,7 @@
       </p:sp>
       <p:sp>
         <p:nvSpPr>
-          <p:cNvPr id="259" name="Google Shape;259;p31"/>
+          <p:cNvPr id="261" name="Google Shape;261;p31"/>
           <p:cNvSpPr txBox="1"/>
           <p:nvPr>
             <p:ph idx="1" type="body"/>
@@ -12954,7 +12958,7 @@
       </p:sp>
       <p:pic>
         <p:nvPicPr>
-          <p:cNvPr id="260" name="Google Shape;260;p31" title="2048_snake_double.png"/>
+          <p:cNvPr id="262" name="Google Shape;262;p31" title="2048_snake_double.png"/>
           <p:cNvPicPr preferRelativeResize="0"/>
           <p:nvPr/>
         </p:nvPicPr>
@@ -12982,7 +12986,7 @@
       </p:pic>
       <p:pic>
         <p:nvPicPr>
-          <p:cNvPr id="261" name="Google Shape;261;p31" title="board_bonus_heuristic.jpg"/>
+          <p:cNvPr id="263" name="Google Shape;263;p31" title="board_bonus_heuristic.jpg"/>
           <p:cNvPicPr preferRelativeResize="0"/>
           <p:nvPr/>
         </p:nvPicPr>
@@ -13281,7 +13285,7 @@
   <p:cSld>
     <p:spTree>
       <p:nvGrpSpPr>
-        <p:cNvPr id="265" name="Shape 265"/>
+        <p:cNvPr id="267" name="Shape 267"/>
         <p:cNvGrpSpPr/>
         <p:nvPr/>
       </p:nvGrpSpPr>
@@ -13295,7 +13299,7 @@
       </p:grpSpPr>
       <p:sp>
         <p:nvSpPr>
-          <p:cNvPr id="266" name="Google Shape;266;p32"/>
+          <p:cNvPr id="268" name="Google Shape;268;p32"/>
           <p:cNvSpPr txBox="1"/>
           <p:nvPr>
             <p:ph type="title"/>
@@ -13350,7 +13354,7 @@
       </p:sp>
       <p:sp>
         <p:nvSpPr>
-          <p:cNvPr id="267" name="Google Shape;267;p32"/>
+          <p:cNvPr id="269" name="Google Shape;269;p32"/>
           <p:cNvSpPr txBox="1"/>
           <p:nvPr>
             <p:ph idx="1" type="body"/>
@@ -13574,7 +13578,7 @@
   <p:cSld>
     <p:spTree>
       <p:nvGrpSpPr>
-        <p:cNvPr id="271" name="Shape 271"/>
+        <p:cNvPr id="273" name="Shape 273"/>
         <p:cNvGrpSpPr/>
         <p:nvPr/>
       </p:nvGrpSpPr>
@@ -13588,7 +13592,7 @@
       </p:grpSpPr>
       <p:sp>
         <p:nvSpPr>
-          <p:cNvPr id="272" name="Google Shape;272;p33"/>
+          <p:cNvPr id="274" name="Google Shape;274;p33"/>
           <p:cNvSpPr txBox="1"/>
           <p:nvPr>
             <p:ph type="title"/>
@@ -13631,7 +13635,7 @@
       </p:sp>
       <p:sp>
         <p:nvSpPr>
-          <p:cNvPr id="273" name="Google Shape;273;p33"/>
+          <p:cNvPr id="275" name="Google Shape;275;p33"/>
           <p:cNvSpPr txBox="1"/>
           <p:nvPr>
             <p:ph idx="1" type="body"/>
@@ -13889,7 +13893,7 @@
   <p:cSld>
     <p:spTree>
       <p:nvGrpSpPr>
-        <p:cNvPr id="277" name="Shape 277"/>
+        <p:cNvPr id="279" name="Shape 279"/>
         <p:cNvGrpSpPr/>
         <p:nvPr/>
       </p:nvGrpSpPr>
@@ -13903,7 +13907,7 @@
       </p:grpSpPr>
       <p:sp>
         <p:nvSpPr>
-          <p:cNvPr id="278" name="Google Shape;278;p34"/>
+          <p:cNvPr id="280" name="Google Shape;280;p34"/>
           <p:cNvSpPr txBox="1"/>
           <p:nvPr>
             <p:ph type="title"/>
@@ -14261,7 +14265,7 @@
         <p:spPr>
           <a:xfrm>
             <a:off x="1297500" y="1307850"/>
-            <a:ext cx="5640000" cy="2987400"/>
+            <a:ext cx="4612800" cy="3746400"/>
           </a:xfrm>
           <a:prstGeom prst="rect">
             <a:avLst/>
@@ -14269,7 +14273,7 @@
         </p:spPr>
         <p:txBody>
           <a:bodyPr anchorCtr="0" anchor="t" bIns="91425" lIns="91425" spcFirstLastPara="1" rIns="91425" wrap="square" tIns="91425">
-            <a:normAutofit/>
+            <a:normAutofit lnSpcReduction="20000"/>
           </a:bodyPr>
           <a:lstStyle/>
           <a:p>
@@ -14402,6 +14406,107 @@
               <a:t>For our computers, 3 or 4 is a good DEPTH, but that value can be taken higher if time is not an constraint.</a:t>
             </a:r>
             <a:endParaRPr sz="1600"/>
+          </a:p>
+        </p:txBody>
+      </p:sp>
+      <p:pic>
+        <p:nvPicPr>
+          <p:cNvPr id="156" name="Google Shape;156;p16"/>
+          <p:cNvPicPr preferRelativeResize="0"/>
+          <p:nvPr/>
+        </p:nvPicPr>
+        <p:blipFill>
+          <a:blip r:embed="rId3">
+            <a:alphaModFix/>
+          </a:blip>
+          <a:stretch>
+            <a:fillRect/>
+          </a:stretch>
+        </p:blipFill>
+        <p:spPr>
+          <a:xfrm>
+            <a:off x="5817025" y="1307850"/>
+            <a:ext cx="3033066" cy="3450749"/>
+          </a:xfrm>
+          <a:prstGeom prst="rect">
+            <a:avLst/>
+          </a:prstGeom>
+          <a:noFill/>
+          <a:ln>
+            <a:noFill/>
+          </a:ln>
+        </p:spPr>
+      </p:pic>
+      <p:sp>
+        <p:nvSpPr>
+          <p:cNvPr id="157" name="Google Shape;157;p16"/>
+          <p:cNvSpPr txBox="1"/>
+          <p:nvPr/>
+        </p:nvSpPr>
+        <p:spPr>
+          <a:xfrm>
+            <a:off x="6714500" y="4758600"/>
+            <a:ext cx="1238100" cy="384900"/>
+          </a:xfrm>
+          <a:prstGeom prst="rect">
+            <a:avLst/>
+          </a:prstGeom>
+          <a:noFill/>
+          <a:ln>
+            <a:noFill/>
+          </a:ln>
+        </p:spPr>
+        <p:txBody>
+          <a:bodyPr anchorCtr="0" anchor="t" bIns="91425" lIns="91425" spcFirstLastPara="1" rIns="91425" wrap="square" tIns="91425">
+            <a:spAutoFit/>
+          </a:bodyPr>
+          <a:lstStyle/>
+          <a:p>
+            <a:pPr indent="0" lvl="0" marL="0" rtl="0" algn="ctr">
+              <a:lnSpc>
+                <a:spcPct val="115000"/>
+              </a:lnSpc>
+              <a:spcBef>
+                <a:spcPts val="0"/>
+              </a:spcBef>
+              <a:spcAft>
+                <a:spcPts val="0"/>
+              </a:spcAft>
+              <a:buNone/>
+            </a:pPr>
+            <a:r>
+              <a:rPr lang="en" sz="1300">
+                <a:solidFill>
+                  <a:schemeClr val="lt1"/>
+                </a:solidFill>
+                <a:latin typeface="Lato"/>
+                <a:ea typeface="Lato"/>
+                <a:cs typeface="Lato"/>
+                <a:sym typeface="Lato"/>
+              </a:rPr>
+              <a:t>Depth</a:t>
+            </a:r>
+            <a:r>
+              <a:rPr lang="en" sz="1300">
+                <a:solidFill>
+                  <a:schemeClr val="lt1"/>
+                </a:solidFill>
+                <a:latin typeface="Lato"/>
+                <a:ea typeface="Lato"/>
+                <a:cs typeface="Lato"/>
+                <a:sym typeface="Lato"/>
+              </a:rPr>
+              <a:t> = 5</a:t>
+            </a:r>
+            <a:endParaRPr sz="1300">
+              <a:solidFill>
+                <a:schemeClr val="lt1"/>
+              </a:solidFill>
+              <a:latin typeface="Lato"/>
+              <a:ea typeface="Lato"/>
+              <a:cs typeface="Lato"/>
+              <a:sym typeface="Lato"/>
+            </a:endParaRPr>
           </a:p>
         </p:txBody>
       </p:sp>
@@ -14418,7 +14523,7 @@
   <p:cSld>
     <p:spTree>
       <p:nvGrpSpPr>
-        <p:cNvPr id="159" name="Shape 159"/>
+        <p:cNvPr id="161" name="Shape 161"/>
         <p:cNvGrpSpPr/>
         <p:nvPr/>
       </p:nvGrpSpPr>
@@ -14432,7 +14537,7 @@
       </p:grpSpPr>
       <p:sp>
         <p:nvSpPr>
-          <p:cNvPr id="160" name="Google Shape;160;p17"/>
+          <p:cNvPr id="162" name="Google Shape;162;p17"/>
           <p:cNvSpPr txBox="1"/>
           <p:nvPr>
             <p:ph type="title"/>
@@ -14475,7 +14580,7 @@
       </p:sp>
       <p:sp>
         <p:nvSpPr>
-          <p:cNvPr id="161" name="Google Shape;161;p17"/>
+          <p:cNvPr id="163" name="Google Shape;163;p17"/>
           <p:cNvSpPr txBox="1"/>
           <p:nvPr>
             <p:ph idx="1" type="body"/>
@@ -14540,7 +14645,7 @@
       </p:sp>
       <p:pic>
         <p:nvPicPr>
-          <p:cNvPr id="162" name="Google Shape;162;p17" title="snake_heuristic.png"/>
+          <p:cNvPr id="164" name="Google Shape;164;p17" title="snake_heuristic.png"/>
           <p:cNvPicPr preferRelativeResize="0"/>
           <p:nvPr/>
         </p:nvPicPr>
@@ -14574,7 +14679,7 @@
       </p:pic>
       <p:sp>
         <p:nvSpPr>
-          <p:cNvPr id="163" name="Google Shape;163;p17"/>
+          <p:cNvPr id="165" name="Google Shape;165;p17"/>
           <p:cNvSpPr txBox="1"/>
           <p:nvPr/>
         </p:nvSpPr>
@@ -14691,7 +14796,7 @@
   <p:cSld>
     <p:spTree>
       <p:nvGrpSpPr>
-        <p:cNvPr id="167" name="Shape 167"/>
+        <p:cNvPr id="169" name="Shape 169"/>
         <p:cNvGrpSpPr/>
         <p:nvPr/>
       </p:nvGrpSpPr>
@@ -14705,7 +14810,7 @@
       </p:grpSpPr>
       <p:sp>
         <p:nvSpPr>
-          <p:cNvPr id="168" name="Google Shape;168;p18"/>
+          <p:cNvPr id="170" name="Google Shape;170;p18"/>
           <p:cNvSpPr txBox="1"/>
           <p:nvPr>
             <p:ph type="title"/>
@@ -14763,7 +14868,7 @@
   <p:cSld>
     <p:spTree>
       <p:nvGrpSpPr>
-        <p:cNvPr id="172" name="Shape 172"/>
+        <p:cNvPr id="174" name="Shape 174"/>
         <p:cNvGrpSpPr/>
         <p:nvPr/>
       </p:nvGrpSpPr>
@@ -14777,7 +14882,7 @@
       </p:grpSpPr>
       <p:pic>
         <p:nvPicPr>
-          <p:cNvPr id="173" name="Google Shape;173;p19" title="expectiminimax.mp4">
+          <p:cNvPr id="175" name="Google Shape;175;p19" title="expectiminimax.mp4">
             <a:hlinkClick r:id="rId3"/>
           </p:cNvPr>
           <p:cNvPicPr preferRelativeResize="0"/>
@@ -14807,7 +14912,7 @@
       </p:pic>
       <p:sp>
         <p:nvSpPr>
-          <p:cNvPr id="174" name="Google Shape;174;p19"/>
+          <p:cNvPr id="176" name="Google Shape;176;p19"/>
           <p:cNvSpPr txBox="1"/>
           <p:nvPr>
             <p:ph type="title"/>
@@ -14842,7 +14947,7 @@
             </a:pPr>
             <a:r>
               <a:rPr lang="en" sz="3600"/>
-              <a:t>Expectiminimax Demo - 3s</a:t>
+              <a:t>Expectiminimax Demo - 73s</a:t>
             </a:r>
             <a:endParaRPr sz="3600"/>
           </a:p>
@@ -14887,7 +14992,7 @@
                                           </p:stCondLst>
                                         </p:cTn>
                                         <p:tgtEl>
-                                          <p:spTgt spid="173"/>
+                                          <p:spTgt spid="175"/>
                                         </p:tgtEl>
                                         <p:attrNameLst>
                                           <p:attrName>style.visibility</p:attrName>
@@ -14901,7 +15006,7 @@
                                       <p:cBhvr>
                                         <p:cTn dur="1000"/>
                                         <p:tgtEl>
-                                          <p:spTgt spid="173"/>
+                                          <p:spTgt spid="175"/>
                                         </p:tgtEl>
                                       </p:cBhvr>
                                     </p:animEffect>
@@ -14944,7 +15049,7 @@
   <p:cSld>
     <p:spTree>
       <p:nvGrpSpPr>
-        <p:cNvPr id="178" name="Shape 178"/>
+        <p:cNvPr id="180" name="Shape 180"/>
         <p:cNvGrpSpPr/>
         <p:nvPr/>
       </p:nvGrpSpPr>
@@ -14958,7 +15063,7 @@
       </p:grpSpPr>
       <p:sp>
         <p:nvSpPr>
-          <p:cNvPr id="179" name="Google Shape;179;p20"/>
+          <p:cNvPr id="181" name="Google Shape;181;p20"/>
           <p:cNvSpPr txBox="1"/>
           <p:nvPr>
             <p:ph type="title"/>
@@ -15001,7 +15106,7 @@
       </p:sp>
       <p:sp>
         <p:nvSpPr>
-          <p:cNvPr id="180" name="Google Shape;180;p20"/>
+          <p:cNvPr id="182" name="Google Shape;182;p20"/>
           <p:cNvSpPr txBox="1"/>
           <p:nvPr>
             <p:ph idx="1" type="body"/>
@@ -15144,7 +15249,7 @@
       </p:sp>
       <p:pic>
         <p:nvPicPr>
-          <p:cNvPr id="181" name="Google Shape;181;p20"/>
+          <p:cNvPr id="183" name="Google Shape;183;p20"/>
           <p:cNvPicPr preferRelativeResize="0"/>
           <p:nvPr/>
         </p:nvPicPr>
@@ -15171,7 +15276,7 @@
       </p:pic>
       <p:pic>
         <p:nvPicPr>
-          <p:cNvPr id="182" name="Google Shape;182;p20"/>
+          <p:cNvPr id="184" name="Google Shape;184;p20"/>
           <p:cNvPicPr preferRelativeResize="0"/>
           <p:nvPr/>
         </p:nvPicPr>
@@ -15209,7 +15314,7 @@
   <p:cSld>
     <p:spTree>
       <p:nvGrpSpPr>
-        <p:cNvPr id="186" name="Shape 186"/>
+        <p:cNvPr id="188" name="Shape 188"/>
         <p:cNvGrpSpPr/>
         <p:nvPr/>
       </p:nvGrpSpPr>
@@ -15223,7 +15328,7 @@
       </p:grpSpPr>
       <p:sp>
         <p:nvSpPr>
-          <p:cNvPr id="187" name="Google Shape;187;p21"/>
+          <p:cNvPr id="189" name="Google Shape;189;p21"/>
           <p:cNvSpPr txBox="1"/>
           <p:nvPr>
             <p:ph type="title"/>
@@ -15266,7 +15371,7 @@
       </p:sp>
       <p:sp>
         <p:nvSpPr>
-          <p:cNvPr id="188" name="Google Shape;188;p21"/>
+          <p:cNvPr id="190" name="Google Shape;190;p21"/>
           <p:cNvSpPr txBox="1"/>
           <p:nvPr>
             <p:ph idx="1" type="body"/>
@@ -15428,7 +15533,7 @@
       </p:sp>
       <p:pic>
         <p:nvPicPr>
-          <p:cNvPr id="189" name="Google Shape;189;p21"/>
+          <p:cNvPr id="191" name="Google Shape;191;p21"/>
           <p:cNvPicPr preferRelativeResize="0"/>
           <p:nvPr/>
         </p:nvPicPr>
@@ -15455,7 +15560,7 @@
       </p:pic>
       <p:pic>
         <p:nvPicPr>
-          <p:cNvPr id="190" name="Google Shape;190;p21"/>
+          <p:cNvPr id="192" name="Google Shape;192;p21"/>
           <p:cNvPicPr preferRelativeResize="0"/>
           <p:nvPr/>
         </p:nvPicPr>
